--- a/ppt 16-9/0807.在我心灵的深处.pptx
+++ b/ppt 16-9/0807.在我心灵的深处.pptx
@@ -5,7 +5,7 @@
     <p:sldMasterId id="2147483648" r:id="rId1"/>
   </p:sldMasterIdLst>
   <p:sldIdLst>
-    <p:sldId id="2078" r:id="rId2"/>
+    <p:sldId id="2079" r:id="rId2"/>
   </p:sldIdLst>
   <p:sldSz cx="12192000" cy="6858000"/>
   <p:notesSz cx="6858000" cy="9144000"/>
@@ -129,7 +129,7 @@
           <p:cNvPr id="2" name="标题 1">
             <a:extLst>
               <a:ext uri="{FF2B5EF4-FFF2-40B4-BE49-F238E27FC236}">
-                <a16:creationId xmlns:a16="http://schemas.microsoft.com/office/drawing/2014/main" id="{34A03263-1CEA-586B-D316-004C4BF9AB4E}"/>
+                <a16:creationId xmlns:a16="http://schemas.microsoft.com/office/drawing/2014/main" id="{DDE577E0-52D6-6C02-0154-D8A792619670}"/>
               </a:ext>
             </a:extLst>
           </p:cNvPr>
@@ -166,7 +166,7 @@
           <p:cNvPr id="3" name="副标题 2">
             <a:extLst>
               <a:ext uri="{FF2B5EF4-FFF2-40B4-BE49-F238E27FC236}">
-                <a16:creationId xmlns:a16="http://schemas.microsoft.com/office/drawing/2014/main" id="{07551C86-D351-8571-DAFC-E520E5351EA7}"/>
+                <a16:creationId xmlns:a16="http://schemas.microsoft.com/office/drawing/2014/main" id="{417B6583-5668-56CC-355A-7A6EB2EA707C}"/>
               </a:ext>
             </a:extLst>
           </p:cNvPr>
@@ -236,7 +236,7 @@
           <p:cNvPr id="4" name="日期占位符 3">
             <a:extLst>
               <a:ext uri="{FF2B5EF4-FFF2-40B4-BE49-F238E27FC236}">
-                <a16:creationId xmlns:a16="http://schemas.microsoft.com/office/drawing/2014/main" id="{74B7417A-753C-DE43-1556-DB7CA97EAC9C}"/>
+                <a16:creationId xmlns:a16="http://schemas.microsoft.com/office/drawing/2014/main" id="{6C904C08-117C-4126-7942-305FBDD17736}"/>
               </a:ext>
             </a:extLst>
           </p:cNvPr>
@@ -252,7 +252,7 @@
           <a:bodyPr/>
           <a:lstStyle/>
           <a:p>
-            <a:fld id="{65E2952E-F453-4670-92C2-2BC5508B59D0}" type="datetimeFigureOut">
+            <a:fld id="{23C04BF7-5E16-4715-9E35-9919120AA84C}" type="datetimeFigureOut">
               <a:rPr lang="zh-CN" altLang="en-US" smtClean="0"/>
               <a:t>2024/3/10</a:t>
             </a:fld>
@@ -265,7 +265,7 @@
           <p:cNvPr id="5" name="页脚占位符 4">
             <a:extLst>
               <a:ext uri="{FF2B5EF4-FFF2-40B4-BE49-F238E27FC236}">
-                <a16:creationId xmlns:a16="http://schemas.microsoft.com/office/drawing/2014/main" id="{32785CE7-0F41-CACF-0C92-A05E22255E36}"/>
+                <a16:creationId xmlns:a16="http://schemas.microsoft.com/office/drawing/2014/main" id="{12163C6C-6B8E-FC2F-476E-C04D554C6DA9}"/>
               </a:ext>
             </a:extLst>
           </p:cNvPr>
@@ -290,7 +290,7 @@
           <p:cNvPr id="6" name="灯片编号占位符 5">
             <a:extLst>
               <a:ext uri="{FF2B5EF4-FFF2-40B4-BE49-F238E27FC236}">
-                <a16:creationId xmlns:a16="http://schemas.microsoft.com/office/drawing/2014/main" id="{40767972-581B-6E00-EC5A-21BC37B54B2F}"/>
+                <a16:creationId xmlns:a16="http://schemas.microsoft.com/office/drawing/2014/main" id="{D17E1A30-3133-AF38-3C9A-B1057002D0AB}"/>
               </a:ext>
             </a:extLst>
           </p:cNvPr>
@@ -306,7 +306,7 @@
           <a:bodyPr/>
           <a:lstStyle/>
           <a:p>
-            <a:fld id="{346C4AD7-53DF-4B42-BC70-D2DCAFFA52AA}" type="slidenum">
+            <a:fld id="{67EEC446-EC57-4535-8D91-ADAA3F989410}" type="slidenum">
               <a:rPr lang="zh-CN" altLang="en-US" smtClean="0"/>
               <a:t>‹#›</a:t>
             </a:fld>
@@ -317,7 +317,7 @@
     </p:spTree>
     <p:extLst>
       <p:ext uri="{BB962C8B-B14F-4D97-AF65-F5344CB8AC3E}">
-        <p14:creationId xmlns:p14="http://schemas.microsoft.com/office/powerpoint/2010/main" val="2832650640"/>
+        <p14:creationId xmlns:p14="http://schemas.microsoft.com/office/powerpoint/2010/main" val="2943965101"/>
       </p:ext>
     </p:extLst>
   </p:cSld>
@@ -349,7 +349,7 @@
           <p:cNvPr id="2" name="标题 1">
             <a:extLst>
               <a:ext uri="{FF2B5EF4-FFF2-40B4-BE49-F238E27FC236}">
-                <a16:creationId xmlns:a16="http://schemas.microsoft.com/office/drawing/2014/main" id="{F0DD81FA-B29D-6F69-ACD4-EC3A8A71BA83}"/>
+                <a16:creationId xmlns:a16="http://schemas.microsoft.com/office/drawing/2014/main" id="{B1F5465D-8C02-E866-26C5-20D8BD3F8028}"/>
               </a:ext>
             </a:extLst>
           </p:cNvPr>
@@ -377,7 +377,7 @@
           <p:cNvPr id="3" name="竖排文字占位符 2">
             <a:extLst>
               <a:ext uri="{FF2B5EF4-FFF2-40B4-BE49-F238E27FC236}">
-                <a16:creationId xmlns:a16="http://schemas.microsoft.com/office/drawing/2014/main" id="{B0E74C7D-E8A9-06EE-DCA0-75719827947E}"/>
+                <a16:creationId xmlns:a16="http://schemas.microsoft.com/office/drawing/2014/main" id="{7F77D946-04C1-0919-BCDC-5A3133C71DAA}"/>
               </a:ext>
             </a:extLst>
           </p:cNvPr>
@@ -434,7 +434,7 @@
           <p:cNvPr id="4" name="日期占位符 3">
             <a:extLst>
               <a:ext uri="{FF2B5EF4-FFF2-40B4-BE49-F238E27FC236}">
-                <a16:creationId xmlns:a16="http://schemas.microsoft.com/office/drawing/2014/main" id="{B7838FEA-1F30-5C35-8F7F-84122D5A5CD5}"/>
+                <a16:creationId xmlns:a16="http://schemas.microsoft.com/office/drawing/2014/main" id="{DC91B404-DFA3-500B-921B-5DC2BA5C9CD4}"/>
               </a:ext>
             </a:extLst>
           </p:cNvPr>
@@ -450,7 +450,7 @@
           <a:bodyPr/>
           <a:lstStyle/>
           <a:p>
-            <a:fld id="{65E2952E-F453-4670-92C2-2BC5508B59D0}" type="datetimeFigureOut">
+            <a:fld id="{23C04BF7-5E16-4715-9E35-9919120AA84C}" type="datetimeFigureOut">
               <a:rPr lang="zh-CN" altLang="en-US" smtClean="0"/>
               <a:t>2024/3/10</a:t>
             </a:fld>
@@ -463,7 +463,7 @@
           <p:cNvPr id="5" name="页脚占位符 4">
             <a:extLst>
               <a:ext uri="{FF2B5EF4-FFF2-40B4-BE49-F238E27FC236}">
-                <a16:creationId xmlns:a16="http://schemas.microsoft.com/office/drawing/2014/main" id="{E8267A7D-1DB4-AE51-531B-AA00110058AF}"/>
+                <a16:creationId xmlns:a16="http://schemas.microsoft.com/office/drawing/2014/main" id="{6730A43C-EACF-A8FB-D45C-F0D9C9411377}"/>
               </a:ext>
             </a:extLst>
           </p:cNvPr>
@@ -488,7 +488,7 @@
           <p:cNvPr id="6" name="灯片编号占位符 5">
             <a:extLst>
               <a:ext uri="{FF2B5EF4-FFF2-40B4-BE49-F238E27FC236}">
-                <a16:creationId xmlns:a16="http://schemas.microsoft.com/office/drawing/2014/main" id="{7442BD4F-29F0-E38B-9946-5CCAD73CD984}"/>
+                <a16:creationId xmlns:a16="http://schemas.microsoft.com/office/drawing/2014/main" id="{AB4E6C56-0962-5FF4-B63E-E8BFEDD84AC7}"/>
               </a:ext>
             </a:extLst>
           </p:cNvPr>
@@ -504,7 +504,7 @@
           <a:bodyPr/>
           <a:lstStyle/>
           <a:p>
-            <a:fld id="{346C4AD7-53DF-4B42-BC70-D2DCAFFA52AA}" type="slidenum">
+            <a:fld id="{67EEC446-EC57-4535-8D91-ADAA3F989410}" type="slidenum">
               <a:rPr lang="zh-CN" altLang="en-US" smtClean="0"/>
               <a:t>‹#›</a:t>
             </a:fld>
@@ -515,7 +515,7 @@
     </p:spTree>
     <p:extLst>
       <p:ext uri="{BB962C8B-B14F-4D97-AF65-F5344CB8AC3E}">
-        <p14:creationId xmlns:p14="http://schemas.microsoft.com/office/powerpoint/2010/main" val="2687325107"/>
+        <p14:creationId xmlns:p14="http://schemas.microsoft.com/office/powerpoint/2010/main" val="3768552573"/>
       </p:ext>
     </p:extLst>
   </p:cSld>
@@ -547,7 +547,7 @@
           <p:cNvPr id="2" name="竖排标题 1">
             <a:extLst>
               <a:ext uri="{FF2B5EF4-FFF2-40B4-BE49-F238E27FC236}">
-                <a16:creationId xmlns:a16="http://schemas.microsoft.com/office/drawing/2014/main" id="{E497B71D-0D59-12CB-98B0-C851B6932A8F}"/>
+                <a16:creationId xmlns:a16="http://schemas.microsoft.com/office/drawing/2014/main" id="{8A7AB4B8-4818-89AD-CA40-3EE2EEE67E94}"/>
               </a:ext>
             </a:extLst>
           </p:cNvPr>
@@ -580,7 +580,7 @@
           <p:cNvPr id="3" name="竖排文字占位符 2">
             <a:extLst>
               <a:ext uri="{FF2B5EF4-FFF2-40B4-BE49-F238E27FC236}">
-                <a16:creationId xmlns:a16="http://schemas.microsoft.com/office/drawing/2014/main" id="{FCD42B0B-9109-77CC-6715-3779E1F21A12}"/>
+                <a16:creationId xmlns:a16="http://schemas.microsoft.com/office/drawing/2014/main" id="{22451E50-02DB-7A63-7770-70CB4B70D026}"/>
               </a:ext>
             </a:extLst>
           </p:cNvPr>
@@ -642,7 +642,7 @@
           <p:cNvPr id="4" name="日期占位符 3">
             <a:extLst>
               <a:ext uri="{FF2B5EF4-FFF2-40B4-BE49-F238E27FC236}">
-                <a16:creationId xmlns:a16="http://schemas.microsoft.com/office/drawing/2014/main" id="{CA4CC094-8C77-30CE-B946-8561F00142E8}"/>
+                <a16:creationId xmlns:a16="http://schemas.microsoft.com/office/drawing/2014/main" id="{A4C6EC4E-2317-37E0-CF49-403326432767}"/>
               </a:ext>
             </a:extLst>
           </p:cNvPr>
@@ -658,7 +658,7 @@
           <a:bodyPr/>
           <a:lstStyle/>
           <a:p>
-            <a:fld id="{65E2952E-F453-4670-92C2-2BC5508B59D0}" type="datetimeFigureOut">
+            <a:fld id="{23C04BF7-5E16-4715-9E35-9919120AA84C}" type="datetimeFigureOut">
               <a:rPr lang="zh-CN" altLang="en-US" smtClean="0"/>
               <a:t>2024/3/10</a:t>
             </a:fld>
@@ -671,7 +671,7 @@
           <p:cNvPr id="5" name="页脚占位符 4">
             <a:extLst>
               <a:ext uri="{FF2B5EF4-FFF2-40B4-BE49-F238E27FC236}">
-                <a16:creationId xmlns:a16="http://schemas.microsoft.com/office/drawing/2014/main" id="{E9AD85AA-3316-CF6D-CBC0-9CC01775A2AE}"/>
+                <a16:creationId xmlns:a16="http://schemas.microsoft.com/office/drawing/2014/main" id="{414F67AD-281E-D0F3-9298-8DD2C680066F}"/>
               </a:ext>
             </a:extLst>
           </p:cNvPr>
@@ -696,7 +696,7 @@
           <p:cNvPr id="6" name="灯片编号占位符 5">
             <a:extLst>
               <a:ext uri="{FF2B5EF4-FFF2-40B4-BE49-F238E27FC236}">
-                <a16:creationId xmlns:a16="http://schemas.microsoft.com/office/drawing/2014/main" id="{C04720F4-B660-D993-CC52-1CB44145A648}"/>
+                <a16:creationId xmlns:a16="http://schemas.microsoft.com/office/drawing/2014/main" id="{D86F190E-EF3F-DE34-A972-0D387199C856}"/>
               </a:ext>
             </a:extLst>
           </p:cNvPr>
@@ -712,7 +712,7 @@
           <a:bodyPr/>
           <a:lstStyle/>
           <a:p>
-            <a:fld id="{346C4AD7-53DF-4B42-BC70-D2DCAFFA52AA}" type="slidenum">
+            <a:fld id="{67EEC446-EC57-4535-8D91-ADAA3F989410}" type="slidenum">
               <a:rPr lang="zh-CN" altLang="en-US" smtClean="0"/>
               <a:t>‹#›</a:t>
             </a:fld>
@@ -723,7 +723,7 @@
     </p:spTree>
     <p:extLst>
       <p:ext uri="{BB962C8B-B14F-4D97-AF65-F5344CB8AC3E}">
-        <p14:creationId xmlns:p14="http://schemas.microsoft.com/office/powerpoint/2010/main" val="2112230748"/>
+        <p14:creationId xmlns:p14="http://schemas.microsoft.com/office/powerpoint/2010/main" val="2990446975"/>
       </p:ext>
     </p:extLst>
   </p:cSld>
@@ -755,7 +755,7 @@
           <p:cNvPr id="2" name="标题 1">
             <a:extLst>
               <a:ext uri="{FF2B5EF4-FFF2-40B4-BE49-F238E27FC236}">
-                <a16:creationId xmlns:a16="http://schemas.microsoft.com/office/drawing/2014/main" id="{F03C6D01-63C3-357E-9B21-B99AC4E21C8E}"/>
+                <a16:creationId xmlns:a16="http://schemas.microsoft.com/office/drawing/2014/main" id="{BB8065C4-2BE0-B11C-7628-2842C2FE21F3}"/>
               </a:ext>
             </a:extLst>
           </p:cNvPr>
@@ -783,7 +783,7 @@
           <p:cNvPr id="3" name="内容占位符 2">
             <a:extLst>
               <a:ext uri="{FF2B5EF4-FFF2-40B4-BE49-F238E27FC236}">
-                <a16:creationId xmlns:a16="http://schemas.microsoft.com/office/drawing/2014/main" id="{C04DE5B9-0917-F2FC-FFEF-5F45544A2612}"/>
+                <a16:creationId xmlns:a16="http://schemas.microsoft.com/office/drawing/2014/main" id="{947708AA-5E46-9CCD-79FC-9310D03219E9}"/>
               </a:ext>
             </a:extLst>
           </p:cNvPr>
@@ -840,7 +840,7 @@
           <p:cNvPr id="4" name="日期占位符 3">
             <a:extLst>
               <a:ext uri="{FF2B5EF4-FFF2-40B4-BE49-F238E27FC236}">
-                <a16:creationId xmlns:a16="http://schemas.microsoft.com/office/drawing/2014/main" id="{0C93B42F-E15E-3C1C-92C0-C31536F2AF2A}"/>
+                <a16:creationId xmlns:a16="http://schemas.microsoft.com/office/drawing/2014/main" id="{DFF2E649-7271-42E8-58F8-E4C03FA53A87}"/>
               </a:ext>
             </a:extLst>
           </p:cNvPr>
@@ -856,7 +856,7 @@
           <a:bodyPr/>
           <a:lstStyle/>
           <a:p>
-            <a:fld id="{65E2952E-F453-4670-92C2-2BC5508B59D0}" type="datetimeFigureOut">
+            <a:fld id="{23C04BF7-5E16-4715-9E35-9919120AA84C}" type="datetimeFigureOut">
               <a:rPr lang="zh-CN" altLang="en-US" smtClean="0"/>
               <a:t>2024/3/10</a:t>
             </a:fld>
@@ -869,7 +869,7 @@
           <p:cNvPr id="5" name="页脚占位符 4">
             <a:extLst>
               <a:ext uri="{FF2B5EF4-FFF2-40B4-BE49-F238E27FC236}">
-                <a16:creationId xmlns:a16="http://schemas.microsoft.com/office/drawing/2014/main" id="{FD093D63-408A-8B6B-F3DF-B0BCC2E95D4B}"/>
+                <a16:creationId xmlns:a16="http://schemas.microsoft.com/office/drawing/2014/main" id="{3DA7902A-69CE-CD53-DBB7-1A6E03E9381B}"/>
               </a:ext>
             </a:extLst>
           </p:cNvPr>
@@ -894,7 +894,7 @@
           <p:cNvPr id="6" name="灯片编号占位符 5">
             <a:extLst>
               <a:ext uri="{FF2B5EF4-FFF2-40B4-BE49-F238E27FC236}">
-                <a16:creationId xmlns:a16="http://schemas.microsoft.com/office/drawing/2014/main" id="{A904FECC-E28C-BF8E-BA2F-627D0E6594CB}"/>
+                <a16:creationId xmlns:a16="http://schemas.microsoft.com/office/drawing/2014/main" id="{76886D85-3F31-9876-8A9C-1BC3A242B4CE}"/>
               </a:ext>
             </a:extLst>
           </p:cNvPr>
@@ -910,7 +910,7 @@
           <a:bodyPr/>
           <a:lstStyle/>
           <a:p>
-            <a:fld id="{346C4AD7-53DF-4B42-BC70-D2DCAFFA52AA}" type="slidenum">
+            <a:fld id="{67EEC446-EC57-4535-8D91-ADAA3F989410}" type="slidenum">
               <a:rPr lang="zh-CN" altLang="en-US" smtClean="0"/>
               <a:t>‹#›</a:t>
             </a:fld>
@@ -921,7 +921,7 @@
     </p:spTree>
     <p:extLst>
       <p:ext uri="{BB962C8B-B14F-4D97-AF65-F5344CB8AC3E}">
-        <p14:creationId xmlns:p14="http://schemas.microsoft.com/office/powerpoint/2010/main" val="1187603044"/>
+        <p14:creationId xmlns:p14="http://schemas.microsoft.com/office/powerpoint/2010/main" val="3655743430"/>
       </p:ext>
     </p:extLst>
   </p:cSld>
@@ -953,7 +953,7 @@
           <p:cNvPr id="2" name="标题 1">
             <a:extLst>
               <a:ext uri="{FF2B5EF4-FFF2-40B4-BE49-F238E27FC236}">
-                <a16:creationId xmlns:a16="http://schemas.microsoft.com/office/drawing/2014/main" id="{6EC50B28-1B01-DA6B-4547-8E01896A867A}"/>
+                <a16:creationId xmlns:a16="http://schemas.microsoft.com/office/drawing/2014/main" id="{B3028BCF-B53B-6F5E-617C-D1FD24B3FA9B}"/>
               </a:ext>
             </a:extLst>
           </p:cNvPr>
@@ -990,7 +990,7 @@
           <p:cNvPr id="3" name="文本占位符 2">
             <a:extLst>
               <a:ext uri="{FF2B5EF4-FFF2-40B4-BE49-F238E27FC236}">
-                <a16:creationId xmlns:a16="http://schemas.microsoft.com/office/drawing/2014/main" id="{868DFE87-A85C-9DCB-4E28-D885558E47CC}"/>
+                <a16:creationId xmlns:a16="http://schemas.microsoft.com/office/drawing/2014/main" id="{829E79ED-7F1E-7B74-D048-3E0DFB1B4F06}"/>
               </a:ext>
             </a:extLst>
           </p:cNvPr>
@@ -1115,7 +1115,7 @@
           <p:cNvPr id="4" name="日期占位符 3">
             <a:extLst>
               <a:ext uri="{FF2B5EF4-FFF2-40B4-BE49-F238E27FC236}">
-                <a16:creationId xmlns:a16="http://schemas.microsoft.com/office/drawing/2014/main" id="{EB9BB799-DDC6-5982-A829-A55F84C48CCF}"/>
+                <a16:creationId xmlns:a16="http://schemas.microsoft.com/office/drawing/2014/main" id="{B9BEE611-6495-CC37-64FE-1154F8A53378}"/>
               </a:ext>
             </a:extLst>
           </p:cNvPr>
@@ -1131,7 +1131,7 @@
           <a:bodyPr/>
           <a:lstStyle/>
           <a:p>
-            <a:fld id="{65E2952E-F453-4670-92C2-2BC5508B59D0}" type="datetimeFigureOut">
+            <a:fld id="{23C04BF7-5E16-4715-9E35-9919120AA84C}" type="datetimeFigureOut">
               <a:rPr lang="zh-CN" altLang="en-US" smtClean="0"/>
               <a:t>2024/3/10</a:t>
             </a:fld>
@@ -1144,7 +1144,7 @@
           <p:cNvPr id="5" name="页脚占位符 4">
             <a:extLst>
               <a:ext uri="{FF2B5EF4-FFF2-40B4-BE49-F238E27FC236}">
-                <a16:creationId xmlns:a16="http://schemas.microsoft.com/office/drawing/2014/main" id="{EC5A3582-10EE-1F0E-4AF9-31DB31F0E2F2}"/>
+                <a16:creationId xmlns:a16="http://schemas.microsoft.com/office/drawing/2014/main" id="{39E5C737-44EC-1903-1E73-A6119C8EDF95}"/>
               </a:ext>
             </a:extLst>
           </p:cNvPr>
@@ -1169,7 +1169,7 @@
           <p:cNvPr id="6" name="灯片编号占位符 5">
             <a:extLst>
               <a:ext uri="{FF2B5EF4-FFF2-40B4-BE49-F238E27FC236}">
-                <a16:creationId xmlns:a16="http://schemas.microsoft.com/office/drawing/2014/main" id="{321FB8F1-E0C3-8EB6-769C-A2F85EC3F0F4}"/>
+                <a16:creationId xmlns:a16="http://schemas.microsoft.com/office/drawing/2014/main" id="{CC96B3FA-48E7-D7F7-4467-4DF65E74A0BC}"/>
               </a:ext>
             </a:extLst>
           </p:cNvPr>
@@ -1185,7 +1185,7 @@
           <a:bodyPr/>
           <a:lstStyle/>
           <a:p>
-            <a:fld id="{346C4AD7-53DF-4B42-BC70-D2DCAFFA52AA}" type="slidenum">
+            <a:fld id="{67EEC446-EC57-4535-8D91-ADAA3F989410}" type="slidenum">
               <a:rPr lang="zh-CN" altLang="en-US" smtClean="0"/>
               <a:t>‹#›</a:t>
             </a:fld>
@@ -1196,7 +1196,7 @@
     </p:spTree>
     <p:extLst>
       <p:ext uri="{BB962C8B-B14F-4D97-AF65-F5344CB8AC3E}">
-        <p14:creationId xmlns:p14="http://schemas.microsoft.com/office/powerpoint/2010/main" val="3157956528"/>
+        <p14:creationId xmlns:p14="http://schemas.microsoft.com/office/powerpoint/2010/main" val="1479115574"/>
       </p:ext>
     </p:extLst>
   </p:cSld>
@@ -1228,7 +1228,7 @@
           <p:cNvPr id="2" name="标题 1">
             <a:extLst>
               <a:ext uri="{FF2B5EF4-FFF2-40B4-BE49-F238E27FC236}">
-                <a16:creationId xmlns:a16="http://schemas.microsoft.com/office/drawing/2014/main" id="{30B3C4EC-5285-15C7-ADD6-4D42BB17B2D6}"/>
+                <a16:creationId xmlns:a16="http://schemas.microsoft.com/office/drawing/2014/main" id="{780AB9DD-90BF-E753-E787-CEB8D8AE9831}"/>
               </a:ext>
             </a:extLst>
           </p:cNvPr>
@@ -1256,7 +1256,7 @@
           <p:cNvPr id="3" name="内容占位符 2">
             <a:extLst>
               <a:ext uri="{FF2B5EF4-FFF2-40B4-BE49-F238E27FC236}">
-                <a16:creationId xmlns:a16="http://schemas.microsoft.com/office/drawing/2014/main" id="{D68B7F61-8CB1-E29A-04D1-2755256B826C}"/>
+                <a16:creationId xmlns:a16="http://schemas.microsoft.com/office/drawing/2014/main" id="{643234B9-598A-DC88-92DA-2D01B957C2E9}"/>
               </a:ext>
             </a:extLst>
           </p:cNvPr>
@@ -1318,7 +1318,7 @@
           <p:cNvPr id="4" name="内容占位符 3">
             <a:extLst>
               <a:ext uri="{FF2B5EF4-FFF2-40B4-BE49-F238E27FC236}">
-                <a16:creationId xmlns:a16="http://schemas.microsoft.com/office/drawing/2014/main" id="{EEBAD04A-1497-B2B8-0C7B-52F6CF76C2FB}"/>
+                <a16:creationId xmlns:a16="http://schemas.microsoft.com/office/drawing/2014/main" id="{268C314B-6B54-3958-F673-6F4F5BFAA350}"/>
               </a:ext>
             </a:extLst>
           </p:cNvPr>
@@ -1380,7 +1380,7 @@
           <p:cNvPr id="5" name="日期占位符 4">
             <a:extLst>
               <a:ext uri="{FF2B5EF4-FFF2-40B4-BE49-F238E27FC236}">
-                <a16:creationId xmlns:a16="http://schemas.microsoft.com/office/drawing/2014/main" id="{5812A0F2-7D7E-1036-9EF0-4BE253E34AE5}"/>
+                <a16:creationId xmlns:a16="http://schemas.microsoft.com/office/drawing/2014/main" id="{7553A2B6-FD0E-47B5-A17C-CCBC0D2FAD3A}"/>
               </a:ext>
             </a:extLst>
           </p:cNvPr>
@@ -1396,7 +1396,7 @@
           <a:bodyPr/>
           <a:lstStyle/>
           <a:p>
-            <a:fld id="{65E2952E-F453-4670-92C2-2BC5508B59D0}" type="datetimeFigureOut">
+            <a:fld id="{23C04BF7-5E16-4715-9E35-9919120AA84C}" type="datetimeFigureOut">
               <a:rPr lang="zh-CN" altLang="en-US" smtClean="0"/>
               <a:t>2024/3/10</a:t>
             </a:fld>
@@ -1409,7 +1409,7 @@
           <p:cNvPr id="6" name="页脚占位符 5">
             <a:extLst>
               <a:ext uri="{FF2B5EF4-FFF2-40B4-BE49-F238E27FC236}">
-                <a16:creationId xmlns:a16="http://schemas.microsoft.com/office/drawing/2014/main" id="{FD911D1A-A302-2770-3D87-FF2E5199D1CA}"/>
+                <a16:creationId xmlns:a16="http://schemas.microsoft.com/office/drawing/2014/main" id="{14A1075D-7120-FD08-7DD9-2FB047F2D97F}"/>
               </a:ext>
             </a:extLst>
           </p:cNvPr>
@@ -1434,7 +1434,7 @@
           <p:cNvPr id="7" name="灯片编号占位符 6">
             <a:extLst>
               <a:ext uri="{FF2B5EF4-FFF2-40B4-BE49-F238E27FC236}">
-                <a16:creationId xmlns:a16="http://schemas.microsoft.com/office/drawing/2014/main" id="{6622158C-7729-0D79-6646-DC1420987C2A}"/>
+                <a16:creationId xmlns:a16="http://schemas.microsoft.com/office/drawing/2014/main" id="{07A7EC3A-B105-7705-AFFA-47D638FF699A}"/>
               </a:ext>
             </a:extLst>
           </p:cNvPr>
@@ -1450,7 +1450,7 @@
           <a:bodyPr/>
           <a:lstStyle/>
           <a:p>
-            <a:fld id="{346C4AD7-53DF-4B42-BC70-D2DCAFFA52AA}" type="slidenum">
+            <a:fld id="{67EEC446-EC57-4535-8D91-ADAA3F989410}" type="slidenum">
               <a:rPr lang="zh-CN" altLang="en-US" smtClean="0"/>
               <a:t>‹#›</a:t>
             </a:fld>
@@ -1461,7 +1461,7 @@
     </p:spTree>
     <p:extLst>
       <p:ext uri="{BB962C8B-B14F-4D97-AF65-F5344CB8AC3E}">
-        <p14:creationId xmlns:p14="http://schemas.microsoft.com/office/powerpoint/2010/main" val="2727909285"/>
+        <p14:creationId xmlns:p14="http://schemas.microsoft.com/office/powerpoint/2010/main" val="3024808856"/>
       </p:ext>
     </p:extLst>
   </p:cSld>
@@ -1493,7 +1493,7 @@
           <p:cNvPr id="2" name="标题 1">
             <a:extLst>
               <a:ext uri="{FF2B5EF4-FFF2-40B4-BE49-F238E27FC236}">
-                <a16:creationId xmlns:a16="http://schemas.microsoft.com/office/drawing/2014/main" id="{50AA3053-6711-13FA-B5CA-F51F993C1429}"/>
+                <a16:creationId xmlns:a16="http://schemas.microsoft.com/office/drawing/2014/main" id="{685829C2-4BCD-5173-C377-0F5E42BDAA80}"/>
               </a:ext>
             </a:extLst>
           </p:cNvPr>
@@ -1526,7 +1526,7 @@
           <p:cNvPr id="3" name="文本占位符 2">
             <a:extLst>
               <a:ext uri="{FF2B5EF4-FFF2-40B4-BE49-F238E27FC236}">
-                <a16:creationId xmlns:a16="http://schemas.microsoft.com/office/drawing/2014/main" id="{D55EAED9-59D1-884B-7091-C32EE0467A0C}"/>
+                <a16:creationId xmlns:a16="http://schemas.microsoft.com/office/drawing/2014/main" id="{C82EE88B-223E-5367-E9E9-08D3EB2A2F78}"/>
               </a:ext>
             </a:extLst>
           </p:cNvPr>
@@ -1597,7 +1597,7 @@
           <p:cNvPr id="4" name="内容占位符 3">
             <a:extLst>
               <a:ext uri="{FF2B5EF4-FFF2-40B4-BE49-F238E27FC236}">
-                <a16:creationId xmlns:a16="http://schemas.microsoft.com/office/drawing/2014/main" id="{689C9E5F-D5F8-22FF-6394-E17AFD4418E3}"/>
+                <a16:creationId xmlns:a16="http://schemas.microsoft.com/office/drawing/2014/main" id="{B66E0EFE-A963-61A1-CCFD-81053614FEAD}"/>
               </a:ext>
             </a:extLst>
           </p:cNvPr>
@@ -1659,7 +1659,7 @@
           <p:cNvPr id="5" name="文本占位符 4">
             <a:extLst>
               <a:ext uri="{FF2B5EF4-FFF2-40B4-BE49-F238E27FC236}">
-                <a16:creationId xmlns:a16="http://schemas.microsoft.com/office/drawing/2014/main" id="{9986C12F-CC94-730D-9F22-7E8D95B9095F}"/>
+                <a16:creationId xmlns:a16="http://schemas.microsoft.com/office/drawing/2014/main" id="{9BE4C443-9F71-C12E-70BE-49D0AA0BFF16}"/>
               </a:ext>
             </a:extLst>
           </p:cNvPr>
@@ -1730,7 +1730,7 @@
           <p:cNvPr id="6" name="内容占位符 5">
             <a:extLst>
               <a:ext uri="{FF2B5EF4-FFF2-40B4-BE49-F238E27FC236}">
-                <a16:creationId xmlns:a16="http://schemas.microsoft.com/office/drawing/2014/main" id="{47C192DC-6AFF-5CFB-15BB-95AB6E247BB3}"/>
+                <a16:creationId xmlns:a16="http://schemas.microsoft.com/office/drawing/2014/main" id="{6B72163D-AF4A-DB13-76B4-E13CABA1260C}"/>
               </a:ext>
             </a:extLst>
           </p:cNvPr>
@@ -1792,7 +1792,7 @@
           <p:cNvPr id="7" name="日期占位符 6">
             <a:extLst>
               <a:ext uri="{FF2B5EF4-FFF2-40B4-BE49-F238E27FC236}">
-                <a16:creationId xmlns:a16="http://schemas.microsoft.com/office/drawing/2014/main" id="{9BD88D68-C020-FE7C-DAFB-F21513D79013}"/>
+                <a16:creationId xmlns:a16="http://schemas.microsoft.com/office/drawing/2014/main" id="{66D4910A-CBC6-03BC-E182-83199C86F337}"/>
               </a:ext>
             </a:extLst>
           </p:cNvPr>
@@ -1808,7 +1808,7 @@
           <a:bodyPr/>
           <a:lstStyle/>
           <a:p>
-            <a:fld id="{65E2952E-F453-4670-92C2-2BC5508B59D0}" type="datetimeFigureOut">
+            <a:fld id="{23C04BF7-5E16-4715-9E35-9919120AA84C}" type="datetimeFigureOut">
               <a:rPr lang="zh-CN" altLang="en-US" smtClean="0"/>
               <a:t>2024/3/10</a:t>
             </a:fld>
@@ -1821,7 +1821,7 @@
           <p:cNvPr id="8" name="页脚占位符 7">
             <a:extLst>
               <a:ext uri="{FF2B5EF4-FFF2-40B4-BE49-F238E27FC236}">
-                <a16:creationId xmlns:a16="http://schemas.microsoft.com/office/drawing/2014/main" id="{F5906461-CA88-38EB-557D-C2246E7501F2}"/>
+                <a16:creationId xmlns:a16="http://schemas.microsoft.com/office/drawing/2014/main" id="{B758DE9E-8147-BDED-08A1-218475215C10}"/>
               </a:ext>
             </a:extLst>
           </p:cNvPr>
@@ -1846,7 +1846,7 @@
           <p:cNvPr id="9" name="灯片编号占位符 8">
             <a:extLst>
               <a:ext uri="{FF2B5EF4-FFF2-40B4-BE49-F238E27FC236}">
-                <a16:creationId xmlns:a16="http://schemas.microsoft.com/office/drawing/2014/main" id="{C8AE0AD1-1547-14F1-EECB-B24F326894ED}"/>
+                <a16:creationId xmlns:a16="http://schemas.microsoft.com/office/drawing/2014/main" id="{BB840567-354D-8C3B-690E-8BA2E5DD5F64}"/>
               </a:ext>
             </a:extLst>
           </p:cNvPr>
@@ -1862,7 +1862,7 @@
           <a:bodyPr/>
           <a:lstStyle/>
           <a:p>
-            <a:fld id="{346C4AD7-53DF-4B42-BC70-D2DCAFFA52AA}" type="slidenum">
+            <a:fld id="{67EEC446-EC57-4535-8D91-ADAA3F989410}" type="slidenum">
               <a:rPr lang="zh-CN" altLang="en-US" smtClean="0"/>
               <a:t>‹#›</a:t>
             </a:fld>
@@ -1873,7 +1873,7 @@
     </p:spTree>
     <p:extLst>
       <p:ext uri="{BB962C8B-B14F-4D97-AF65-F5344CB8AC3E}">
-        <p14:creationId xmlns:p14="http://schemas.microsoft.com/office/powerpoint/2010/main" val="3542166625"/>
+        <p14:creationId xmlns:p14="http://schemas.microsoft.com/office/powerpoint/2010/main" val="1389721716"/>
       </p:ext>
     </p:extLst>
   </p:cSld>
@@ -1905,7 +1905,7 @@
           <p:cNvPr id="2" name="标题 1">
             <a:extLst>
               <a:ext uri="{FF2B5EF4-FFF2-40B4-BE49-F238E27FC236}">
-                <a16:creationId xmlns:a16="http://schemas.microsoft.com/office/drawing/2014/main" id="{31AF7835-C40A-30F4-F971-03D6D8397A21}"/>
+                <a16:creationId xmlns:a16="http://schemas.microsoft.com/office/drawing/2014/main" id="{8CEF9004-A0A7-2C03-BD57-CB1C9A9BA6CE}"/>
               </a:ext>
             </a:extLst>
           </p:cNvPr>
@@ -1933,7 +1933,7 @@
           <p:cNvPr id="3" name="日期占位符 2">
             <a:extLst>
               <a:ext uri="{FF2B5EF4-FFF2-40B4-BE49-F238E27FC236}">
-                <a16:creationId xmlns:a16="http://schemas.microsoft.com/office/drawing/2014/main" id="{46C15178-3851-A3AA-0C6B-57018E2D5C1C}"/>
+                <a16:creationId xmlns:a16="http://schemas.microsoft.com/office/drawing/2014/main" id="{0A9F6D40-741A-F9E8-9B01-170100C5719C}"/>
               </a:ext>
             </a:extLst>
           </p:cNvPr>
@@ -1949,7 +1949,7 @@
           <a:bodyPr/>
           <a:lstStyle/>
           <a:p>
-            <a:fld id="{65E2952E-F453-4670-92C2-2BC5508B59D0}" type="datetimeFigureOut">
+            <a:fld id="{23C04BF7-5E16-4715-9E35-9919120AA84C}" type="datetimeFigureOut">
               <a:rPr lang="zh-CN" altLang="en-US" smtClean="0"/>
               <a:t>2024/3/10</a:t>
             </a:fld>
@@ -1962,7 +1962,7 @@
           <p:cNvPr id="4" name="页脚占位符 3">
             <a:extLst>
               <a:ext uri="{FF2B5EF4-FFF2-40B4-BE49-F238E27FC236}">
-                <a16:creationId xmlns:a16="http://schemas.microsoft.com/office/drawing/2014/main" id="{29D71458-D164-5D3E-B752-514819E5410F}"/>
+                <a16:creationId xmlns:a16="http://schemas.microsoft.com/office/drawing/2014/main" id="{190E626F-4E2A-CE49-5DDF-9BEC812BB818}"/>
               </a:ext>
             </a:extLst>
           </p:cNvPr>
@@ -1987,7 +1987,7 @@
           <p:cNvPr id="5" name="灯片编号占位符 4">
             <a:extLst>
               <a:ext uri="{FF2B5EF4-FFF2-40B4-BE49-F238E27FC236}">
-                <a16:creationId xmlns:a16="http://schemas.microsoft.com/office/drawing/2014/main" id="{AC56B3AC-776F-26BC-444B-6880680ECD21}"/>
+                <a16:creationId xmlns:a16="http://schemas.microsoft.com/office/drawing/2014/main" id="{F8D0F062-F9CE-4F24-1F80-DC32CC9D17DC}"/>
               </a:ext>
             </a:extLst>
           </p:cNvPr>
@@ -2003,7 +2003,7 @@
           <a:bodyPr/>
           <a:lstStyle/>
           <a:p>
-            <a:fld id="{346C4AD7-53DF-4B42-BC70-D2DCAFFA52AA}" type="slidenum">
+            <a:fld id="{67EEC446-EC57-4535-8D91-ADAA3F989410}" type="slidenum">
               <a:rPr lang="zh-CN" altLang="en-US" smtClean="0"/>
               <a:t>‹#›</a:t>
             </a:fld>
@@ -2014,7 +2014,7 @@
     </p:spTree>
     <p:extLst>
       <p:ext uri="{BB962C8B-B14F-4D97-AF65-F5344CB8AC3E}">
-        <p14:creationId xmlns:p14="http://schemas.microsoft.com/office/powerpoint/2010/main" val="103721271"/>
+        <p14:creationId xmlns:p14="http://schemas.microsoft.com/office/powerpoint/2010/main" val="3375363560"/>
       </p:ext>
     </p:extLst>
   </p:cSld>
@@ -2046,7 +2046,7 @@
           <p:cNvPr id="2" name="日期占位符 1">
             <a:extLst>
               <a:ext uri="{FF2B5EF4-FFF2-40B4-BE49-F238E27FC236}">
-                <a16:creationId xmlns:a16="http://schemas.microsoft.com/office/drawing/2014/main" id="{EEA2F976-CD17-B23F-952B-FF3E670378A7}"/>
+                <a16:creationId xmlns:a16="http://schemas.microsoft.com/office/drawing/2014/main" id="{E8506F9E-1EA9-241D-88B3-60187538C40C}"/>
               </a:ext>
             </a:extLst>
           </p:cNvPr>
@@ -2062,7 +2062,7 @@
           <a:bodyPr/>
           <a:lstStyle/>
           <a:p>
-            <a:fld id="{65E2952E-F453-4670-92C2-2BC5508B59D0}" type="datetimeFigureOut">
+            <a:fld id="{23C04BF7-5E16-4715-9E35-9919120AA84C}" type="datetimeFigureOut">
               <a:rPr lang="zh-CN" altLang="en-US" smtClean="0"/>
               <a:t>2024/3/10</a:t>
             </a:fld>
@@ -2075,7 +2075,7 @@
           <p:cNvPr id="3" name="页脚占位符 2">
             <a:extLst>
               <a:ext uri="{FF2B5EF4-FFF2-40B4-BE49-F238E27FC236}">
-                <a16:creationId xmlns:a16="http://schemas.microsoft.com/office/drawing/2014/main" id="{5C19230F-E21B-133B-AB1C-D868F0893C00}"/>
+                <a16:creationId xmlns:a16="http://schemas.microsoft.com/office/drawing/2014/main" id="{B301190C-8400-06BA-7CB1-AB5BE2D6B0A6}"/>
               </a:ext>
             </a:extLst>
           </p:cNvPr>
@@ -2100,7 +2100,7 @@
           <p:cNvPr id="4" name="灯片编号占位符 3">
             <a:extLst>
               <a:ext uri="{FF2B5EF4-FFF2-40B4-BE49-F238E27FC236}">
-                <a16:creationId xmlns:a16="http://schemas.microsoft.com/office/drawing/2014/main" id="{2124677F-A732-0E98-A8DA-E55725BD5E58}"/>
+                <a16:creationId xmlns:a16="http://schemas.microsoft.com/office/drawing/2014/main" id="{A738FB60-C5D7-EF28-4566-A89B4EF9312B}"/>
               </a:ext>
             </a:extLst>
           </p:cNvPr>
@@ -2116,7 +2116,7 @@
           <a:bodyPr/>
           <a:lstStyle/>
           <a:p>
-            <a:fld id="{346C4AD7-53DF-4B42-BC70-D2DCAFFA52AA}" type="slidenum">
+            <a:fld id="{67EEC446-EC57-4535-8D91-ADAA3F989410}" type="slidenum">
               <a:rPr lang="zh-CN" altLang="en-US" smtClean="0"/>
               <a:t>‹#›</a:t>
             </a:fld>
@@ -2127,7 +2127,7 @@
     </p:spTree>
     <p:extLst>
       <p:ext uri="{BB962C8B-B14F-4D97-AF65-F5344CB8AC3E}">
-        <p14:creationId xmlns:p14="http://schemas.microsoft.com/office/powerpoint/2010/main" val="3475630923"/>
+        <p14:creationId xmlns:p14="http://schemas.microsoft.com/office/powerpoint/2010/main" val="1239346822"/>
       </p:ext>
     </p:extLst>
   </p:cSld>
@@ -2159,7 +2159,7 @@
           <p:cNvPr id="2" name="标题 1">
             <a:extLst>
               <a:ext uri="{FF2B5EF4-FFF2-40B4-BE49-F238E27FC236}">
-                <a16:creationId xmlns:a16="http://schemas.microsoft.com/office/drawing/2014/main" id="{59C2D8BB-31F3-19C0-F710-E06873040CE7}"/>
+                <a16:creationId xmlns:a16="http://schemas.microsoft.com/office/drawing/2014/main" id="{FAF1ACFF-0065-08BB-EEA4-B3BAEBCCFC61}"/>
               </a:ext>
             </a:extLst>
           </p:cNvPr>
@@ -2196,7 +2196,7 @@
           <p:cNvPr id="3" name="内容占位符 2">
             <a:extLst>
               <a:ext uri="{FF2B5EF4-FFF2-40B4-BE49-F238E27FC236}">
-                <a16:creationId xmlns:a16="http://schemas.microsoft.com/office/drawing/2014/main" id="{07A10E65-D0FA-DAB6-61F4-4116E9F0B6EA}"/>
+                <a16:creationId xmlns:a16="http://schemas.microsoft.com/office/drawing/2014/main" id="{82A9E16A-5A97-B59B-C7F0-2C27E2E046C1}"/>
               </a:ext>
             </a:extLst>
           </p:cNvPr>
@@ -2286,7 +2286,7 @@
           <p:cNvPr id="4" name="文本占位符 3">
             <a:extLst>
               <a:ext uri="{FF2B5EF4-FFF2-40B4-BE49-F238E27FC236}">
-                <a16:creationId xmlns:a16="http://schemas.microsoft.com/office/drawing/2014/main" id="{6765F676-03F4-F068-621F-A13141F71877}"/>
+                <a16:creationId xmlns:a16="http://schemas.microsoft.com/office/drawing/2014/main" id="{2EB4ED63-3713-7320-CE41-F1A2218D0AFC}"/>
               </a:ext>
             </a:extLst>
           </p:cNvPr>
@@ -2357,7 +2357,7 @@
           <p:cNvPr id="5" name="日期占位符 4">
             <a:extLst>
               <a:ext uri="{FF2B5EF4-FFF2-40B4-BE49-F238E27FC236}">
-                <a16:creationId xmlns:a16="http://schemas.microsoft.com/office/drawing/2014/main" id="{ADC4DEC3-53DF-A714-EE23-2E1AEA273DA2}"/>
+                <a16:creationId xmlns:a16="http://schemas.microsoft.com/office/drawing/2014/main" id="{7666C8CD-8D75-D58B-E2E1-3C0A45FC6A9F}"/>
               </a:ext>
             </a:extLst>
           </p:cNvPr>
@@ -2373,7 +2373,7 @@
           <a:bodyPr/>
           <a:lstStyle/>
           <a:p>
-            <a:fld id="{65E2952E-F453-4670-92C2-2BC5508B59D0}" type="datetimeFigureOut">
+            <a:fld id="{23C04BF7-5E16-4715-9E35-9919120AA84C}" type="datetimeFigureOut">
               <a:rPr lang="zh-CN" altLang="en-US" smtClean="0"/>
               <a:t>2024/3/10</a:t>
             </a:fld>
@@ -2386,7 +2386,7 @@
           <p:cNvPr id="6" name="页脚占位符 5">
             <a:extLst>
               <a:ext uri="{FF2B5EF4-FFF2-40B4-BE49-F238E27FC236}">
-                <a16:creationId xmlns:a16="http://schemas.microsoft.com/office/drawing/2014/main" id="{FA4B58A5-47FE-2CED-8472-E6AEF33450AD}"/>
+                <a16:creationId xmlns:a16="http://schemas.microsoft.com/office/drawing/2014/main" id="{3BE8B86C-972F-135B-7DF2-74A9FE1D8BB9}"/>
               </a:ext>
             </a:extLst>
           </p:cNvPr>
@@ -2411,7 +2411,7 @@
           <p:cNvPr id="7" name="灯片编号占位符 6">
             <a:extLst>
               <a:ext uri="{FF2B5EF4-FFF2-40B4-BE49-F238E27FC236}">
-                <a16:creationId xmlns:a16="http://schemas.microsoft.com/office/drawing/2014/main" id="{F292AE79-F115-F13A-B9CD-D45052510824}"/>
+                <a16:creationId xmlns:a16="http://schemas.microsoft.com/office/drawing/2014/main" id="{936D9D84-52D7-0B0D-CC9B-F8A2250331C4}"/>
               </a:ext>
             </a:extLst>
           </p:cNvPr>
@@ -2427,7 +2427,7 @@
           <a:bodyPr/>
           <a:lstStyle/>
           <a:p>
-            <a:fld id="{346C4AD7-53DF-4B42-BC70-D2DCAFFA52AA}" type="slidenum">
+            <a:fld id="{67EEC446-EC57-4535-8D91-ADAA3F989410}" type="slidenum">
               <a:rPr lang="zh-CN" altLang="en-US" smtClean="0"/>
               <a:t>‹#›</a:t>
             </a:fld>
@@ -2438,7 +2438,7 @@
     </p:spTree>
     <p:extLst>
       <p:ext uri="{BB962C8B-B14F-4D97-AF65-F5344CB8AC3E}">
-        <p14:creationId xmlns:p14="http://schemas.microsoft.com/office/powerpoint/2010/main" val="1600390498"/>
+        <p14:creationId xmlns:p14="http://schemas.microsoft.com/office/powerpoint/2010/main" val="257543219"/>
       </p:ext>
     </p:extLst>
   </p:cSld>
@@ -2470,7 +2470,7 @@
           <p:cNvPr id="2" name="标题 1">
             <a:extLst>
               <a:ext uri="{FF2B5EF4-FFF2-40B4-BE49-F238E27FC236}">
-                <a16:creationId xmlns:a16="http://schemas.microsoft.com/office/drawing/2014/main" id="{37E84625-0B35-0300-8542-648B9A4AEC5B}"/>
+                <a16:creationId xmlns:a16="http://schemas.microsoft.com/office/drawing/2014/main" id="{BEDE23B0-6513-B669-28CB-7CFE5013BE0D}"/>
               </a:ext>
             </a:extLst>
           </p:cNvPr>
@@ -2507,7 +2507,7 @@
           <p:cNvPr id="3" name="图片占位符 2">
             <a:extLst>
               <a:ext uri="{FF2B5EF4-FFF2-40B4-BE49-F238E27FC236}">
-                <a16:creationId xmlns:a16="http://schemas.microsoft.com/office/drawing/2014/main" id="{8988DFE4-EBE9-FFD4-C4A7-6FB6248B0C07}"/>
+                <a16:creationId xmlns:a16="http://schemas.microsoft.com/office/drawing/2014/main" id="{868499B7-5CFE-9BF8-B733-0FA3144AFB63}"/>
               </a:ext>
             </a:extLst>
           </p:cNvPr>
@@ -2574,7 +2574,7 @@
           <p:cNvPr id="4" name="文本占位符 3">
             <a:extLst>
               <a:ext uri="{FF2B5EF4-FFF2-40B4-BE49-F238E27FC236}">
-                <a16:creationId xmlns:a16="http://schemas.microsoft.com/office/drawing/2014/main" id="{307C796E-E71D-CE49-AE90-8386BAABCDF5}"/>
+                <a16:creationId xmlns:a16="http://schemas.microsoft.com/office/drawing/2014/main" id="{423C2EC2-8D6C-3E15-3268-376CA0178C48}"/>
               </a:ext>
             </a:extLst>
           </p:cNvPr>
@@ -2645,7 +2645,7 @@
           <p:cNvPr id="5" name="日期占位符 4">
             <a:extLst>
               <a:ext uri="{FF2B5EF4-FFF2-40B4-BE49-F238E27FC236}">
-                <a16:creationId xmlns:a16="http://schemas.microsoft.com/office/drawing/2014/main" id="{F4F77868-B54D-7D6E-3532-90D087CB4E0C}"/>
+                <a16:creationId xmlns:a16="http://schemas.microsoft.com/office/drawing/2014/main" id="{261226ED-A833-FE41-35BB-88732D3201BE}"/>
               </a:ext>
             </a:extLst>
           </p:cNvPr>
@@ -2661,7 +2661,7 @@
           <a:bodyPr/>
           <a:lstStyle/>
           <a:p>
-            <a:fld id="{65E2952E-F453-4670-92C2-2BC5508B59D0}" type="datetimeFigureOut">
+            <a:fld id="{23C04BF7-5E16-4715-9E35-9919120AA84C}" type="datetimeFigureOut">
               <a:rPr lang="zh-CN" altLang="en-US" smtClean="0"/>
               <a:t>2024/3/10</a:t>
             </a:fld>
@@ -2674,7 +2674,7 @@
           <p:cNvPr id="6" name="页脚占位符 5">
             <a:extLst>
               <a:ext uri="{FF2B5EF4-FFF2-40B4-BE49-F238E27FC236}">
-                <a16:creationId xmlns:a16="http://schemas.microsoft.com/office/drawing/2014/main" id="{0414F53A-2870-588A-0C26-FCF43CFAEC0E}"/>
+                <a16:creationId xmlns:a16="http://schemas.microsoft.com/office/drawing/2014/main" id="{55FA1F5F-2980-A9E7-0A17-E2E95D973266}"/>
               </a:ext>
             </a:extLst>
           </p:cNvPr>
@@ -2699,7 +2699,7 @@
           <p:cNvPr id="7" name="灯片编号占位符 6">
             <a:extLst>
               <a:ext uri="{FF2B5EF4-FFF2-40B4-BE49-F238E27FC236}">
-                <a16:creationId xmlns:a16="http://schemas.microsoft.com/office/drawing/2014/main" id="{CF4790CD-F140-F9CD-A7E4-BA6C5B70283C}"/>
+                <a16:creationId xmlns:a16="http://schemas.microsoft.com/office/drawing/2014/main" id="{11F41890-27FB-395F-427A-2005C34E61FB}"/>
               </a:ext>
             </a:extLst>
           </p:cNvPr>
@@ -2715,7 +2715,7 @@
           <a:bodyPr/>
           <a:lstStyle/>
           <a:p>
-            <a:fld id="{346C4AD7-53DF-4B42-BC70-D2DCAFFA52AA}" type="slidenum">
+            <a:fld id="{67EEC446-EC57-4535-8D91-ADAA3F989410}" type="slidenum">
               <a:rPr lang="zh-CN" altLang="en-US" smtClean="0"/>
               <a:t>‹#›</a:t>
             </a:fld>
@@ -2726,7 +2726,7 @@
     </p:spTree>
     <p:extLst>
       <p:ext uri="{BB962C8B-B14F-4D97-AF65-F5344CB8AC3E}">
-        <p14:creationId xmlns:p14="http://schemas.microsoft.com/office/powerpoint/2010/main" val="3904009471"/>
+        <p14:creationId xmlns:p14="http://schemas.microsoft.com/office/powerpoint/2010/main" val="1289415137"/>
       </p:ext>
     </p:extLst>
   </p:cSld>
@@ -2763,7 +2763,7 @@
           <p:cNvPr id="2" name="标题占位符 1">
             <a:extLst>
               <a:ext uri="{FF2B5EF4-FFF2-40B4-BE49-F238E27FC236}">
-                <a16:creationId xmlns:a16="http://schemas.microsoft.com/office/drawing/2014/main" id="{2FD719EF-E3B3-6AC1-E1DD-310C9984A037}"/>
+                <a16:creationId xmlns:a16="http://schemas.microsoft.com/office/drawing/2014/main" id="{D318F0FB-A719-169E-11D2-67E902AB3680}"/>
               </a:ext>
             </a:extLst>
           </p:cNvPr>
@@ -2801,7 +2801,7 @@
           <p:cNvPr id="3" name="文本占位符 2">
             <a:extLst>
               <a:ext uri="{FF2B5EF4-FFF2-40B4-BE49-F238E27FC236}">
-                <a16:creationId xmlns:a16="http://schemas.microsoft.com/office/drawing/2014/main" id="{261DA85E-18F5-DCBC-60CD-6F772824D1C8}"/>
+                <a16:creationId xmlns:a16="http://schemas.microsoft.com/office/drawing/2014/main" id="{152C42B9-F30E-91FB-507E-E08E4D985DED}"/>
               </a:ext>
             </a:extLst>
           </p:cNvPr>
@@ -2868,7 +2868,7 @@
           <p:cNvPr id="4" name="日期占位符 3">
             <a:extLst>
               <a:ext uri="{FF2B5EF4-FFF2-40B4-BE49-F238E27FC236}">
-                <a16:creationId xmlns:a16="http://schemas.microsoft.com/office/drawing/2014/main" id="{0CFE419A-BC7E-F76B-DB5D-A0E8C308A5C5}"/>
+                <a16:creationId xmlns:a16="http://schemas.microsoft.com/office/drawing/2014/main" id="{5EF5C980-AEB1-7B1D-4459-3E1B70F3B7D9}"/>
               </a:ext>
             </a:extLst>
           </p:cNvPr>
@@ -2902,7 +2902,7 @@
             </a:lvl1pPr>
           </a:lstStyle>
           <a:p>
-            <a:fld id="{65E2952E-F453-4670-92C2-2BC5508B59D0}" type="datetimeFigureOut">
+            <a:fld id="{23C04BF7-5E16-4715-9E35-9919120AA84C}" type="datetimeFigureOut">
               <a:rPr lang="zh-CN" altLang="en-US" smtClean="0"/>
               <a:t>2024/3/10</a:t>
             </a:fld>
@@ -2915,7 +2915,7 @@
           <p:cNvPr id="5" name="页脚占位符 4">
             <a:extLst>
               <a:ext uri="{FF2B5EF4-FFF2-40B4-BE49-F238E27FC236}">
-                <a16:creationId xmlns:a16="http://schemas.microsoft.com/office/drawing/2014/main" id="{8EACBEF0-750D-8712-4C1F-E6637AC5ED74}"/>
+                <a16:creationId xmlns:a16="http://schemas.microsoft.com/office/drawing/2014/main" id="{F9133368-86D3-9287-F7E5-A7CC35D2FCD7}"/>
               </a:ext>
             </a:extLst>
           </p:cNvPr>
@@ -2958,7 +2958,7 @@
           <p:cNvPr id="6" name="灯片编号占位符 5">
             <a:extLst>
               <a:ext uri="{FF2B5EF4-FFF2-40B4-BE49-F238E27FC236}">
-                <a16:creationId xmlns:a16="http://schemas.microsoft.com/office/drawing/2014/main" id="{AEE08193-8581-6B49-80D7-D28925C04D5A}"/>
+                <a16:creationId xmlns:a16="http://schemas.microsoft.com/office/drawing/2014/main" id="{E9BF6006-B0E4-A08B-A827-ED2E626024B9}"/>
               </a:ext>
             </a:extLst>
           </p:cNvPr>
@@ -2992,7 +2992,7 @@
             </a:lvl1pPr>
           </a:lstStyle>
           <a:p>
-            <a:fld id="{346C4AD7-53DF-4B42-BC70-D2DCAFFA52AA}" type="slidenum">
+            <a:fld id="{67EEC446-EC57-4535-8D91-ADAA3F989410}" type="slidenum">
               <a:rPr lang="zh-CN" altLang="en-US" smtClean="0"/>
               <a:t>‹#›</a:t>
             </a:fld>
@@ -3003,7 +3003,7 @@
     </p:spTree>
     <p:extLst>
       <p:ext uri="{BB962C8B-B14F-4D97-AF65-F5344CB8AC3E}">
-        <p14:creationId xmlns:p14="http://schemas.microsoft.com/office/powerpoint/2010/main" val="2241937197"/>
+        <p14:creationId xmlns:p14="http://schemas.microsoft.com/office/powerpoint/2010/main" val="2471190277"/>
       </p:ext>
     </p:extLst>
   </p:cSld>
@@ -3323,7 +3323,7 @@
       </p:grpSpPr>
       <p:pic>
         <p:nvPicPr>
-          <p:cNvPr id="826370" name="Picture 2" descr="806"/>
+          <p:cNvPr id="827394" name="Picture 2" descr="807"/>
           <p:cNvPicPr>
             <a:picLocks noChangeAspect="1" noChangeArrowheads="1"/>
           </p:cNvPicPr>
@@ -3375,11 +3375,158 @@
           </a:extLst>
         </p:spPr>
       </p:pic>
+      <p:pic>
+        <p:nvPicPr>
+          <p:cNvPr id="828419" name="Picture 3" descr="807-2"/>
+          <p:cNvPicPr>
+            <a:picLocks noChangeAspect="1" noChangeArrowheads="1"/>
+          </p:cNvPicPr>
+          <p:nvPr/>
+        </p:nvPicPr>
+        <p:blipFill>
+          <a:blip r:embed="rId3">
+            <a:extLst>
+              <a:ext uri="{28A0092B-C50C-407E-A947-70E740481C1C}">
+                <a14:useLocalDpi xmlns:a14="http://schemas.microsoft.com/office/drawing/2010/main" val="0"/>
+              </a:ext>
+            </a:extLst>
+          </a:blip>
+          <a:srcRect/>
+          <a:stretch>
+            <a:fillRect/>
+          </a:stretch>
+        </p:blipFill>
+        <p:spPr bwMode="auto">
+          <a:xfrm>
+            <a:off x="1524000" y="-12700"/>
+            <a:ext cx="9144000" cy="6843713"/>
+          </a:xfrm>
+          <a:prstGeom prst="rect">
+            <a:avLst/>
+          </a:prstGeom>
+          <a:noFill/>
+          <a:ln>
+            <a:noFill/>
+          </a:ln>
+          <a:effectLst/>
+          <a:extLst>
+            <a:ext uri="{909E8E84-426E-40DD-AFC4-6F175D3DCCD1}">
+              <a14:hiddenFill xmlns:a14="http://schemas.microsoft.com/office/drawing/2010/main">
+                <a:solidFill>
+                  <a:srgbClr val="FFFFFF"/>
+                </a:solidFill>
+              </a14:hiddenFill>
+            </a:ext>
+            <a:ext uri="{91240B29-F687-4F45-9708-019B960494DF}">
+              <a14:hiddenLine xmlns:a14="http://schemas.microsoft.com/office/drawing/2010/main" w="9525">
+                <a:solidFill>
+                  <a:srgbClr val="000000"/>
+                </a:solidFill>
+                <a:miter lim="800000"/>
+                <a:headEnd/>
+                <a:tailEnd/>
+              </a14:hiddenLine>
+            </a:ext>
+            <a:ext uri="{AF507438-7753-43E0-B8FC-AC1667EBCBE1}">
+              <a14:hiddenEffects xmlns:a14="http://schemas.microsoft.com/office/drawing/2010/main">
+                <a:effectLst>
+                  <a:outerShdw dist="35921" dir="2700000" algn="ctr" rotWithShape="0">
+                    <a:srgbClr val="808080"/>
+                  </a:outerShdw>
+                </a:effectLst>
+              </a14:hiddenEffects>
+            </a:ext>
+          </a:extLst>
+        </p:spPr>
+      </p:pic>
     </p:spTree>
   </p:cSld>
   <p:clrMapOvr>
     <a:masterClrMapping/>
   </p:clrMapOvr>
+  <p:timing>
+    <p:tnLst>
+      <p:par>
+        <p:cTn id="1" dur="indefinite" restart="never" nodeType="tmRoot">
+          <p:childTnLst>
+            <p:seq concurrent="1" nextAc="seek">
+              <p:cTn id="2" dur="indefinite" nodeType="mainSeq">
+                <p:childTnLst>
+                  <p:par>
+                    <p:cTn id="3" fill="hold" nodeType="clickPar">
+                      <p:stCondLst>
+                        <p:cond delay="indefinite"/>
+                      </p:stCondLst>
+                      <p:childTnLst>
+                        <p:par>
+                          <p:cTn id="4" fill="hold" nodeType="withGroup">
+                            <p:stCondLst>
+                              <p:cond delay="0"/>
+                            </p:stCondLst>
+                            <p:childTnLst>
+                              <p:par>
+                                <p:cTn id="5" presetID="10" presetClass="entr" presetSubtype="0" fill="hold" nodeType="clickEffect">
+                                  <p:stCondLst>
+                                    <p:cond delay="0"/>
+                                  </p:stCondLst>
+                                  <p:childTnLst>
+                                    <p:set>
+                                      <p:cBhvr>
+                                        <p:cTn id="6" dur="1" fill="hold">
+                                          <p:stCondLst>
+                                            <p:cond delay="0"/>
+                                          </p:stCondLst>
+                                        </p:cTn>
+                                        <p:tgtEl>
+                                          <p:spTgt spid="828419"/>
+                                        </p:tgtEl>
+                                        <p:attrNameLst>
+                                          <p:attrName>style.visibility</p:attrName>
+                                        </p:attrNameLst>
+                                      </p:cBhvr>
+                                      <p:to>
+                                        <p:strVal val="visible"/>
+                                      </p:to>
+                                    </p:set>
+                                    <p:animEffect transition="in" filter="fade">
+                                      <p:cBhvr>
+                                        <p:cTn id="7" dur="500"/>
+                                        <p:tgtEl>
+                                          <p:spTgt spid="828419"/>
+                                        </p:tgtEl>
+                                      </p:cBhvr>
+                                    </p:animEffect>
+                                  </p:childTnLst>
+                                </p:cTn>
+                              </p:par>
+                            </p:childTnLst>
+                          </p:cTn>
+                        </p:par>
+                      </p:childTnLst>
+                    </p:cTn>
+                  </p:par>
+                </p:childTnLst>
+              </p:cTn>
+              <p:prevCondLst>
+                <p:cond evt="onPrev" delay="0">
+                  <p:tgtEl>
+                    <p:sldTgt/>
+                  </p:tgtEl>
+                </p:cond>
+              </p:prevCondLst>
+              <p:nextCondLst>
+                <p:cond evt="onNext" delay="0">
+                  <p:tgtEl>
+                    <p:sldTgt/>
+                  </p:tgtEl>
+                </p:cond>
+              </p:nextCondLst>
+            </p:seq>
+          </p:childTnLst>
+        </p:cTn>
+      </p:par>
+    </p:tnLst>
+  </p:timing>
 </p:sld>
 </file>
 
